--- a/Fullstack development workshop.pptx
+++ b/Fullstack development workshop.pptx
@@ -139,17 +139,6 @@
     </p:ext>
   </p:extLst>
 </p:presentation>
-</file>
-
-<file path=ppt/revisionInfo.xml><?xml version="1.0" encoding="utf-8"?>
-<p1510:revInfo xmlns:a="http://schemas.openxmlformats.org/drawingml/2006/main" xmlns:r="http://schemas.openxmlformats.org/officeDocument/2006/relationships" xmlns:p1510="http://schemas.microsoft.com/office/powerpoint/2015/10/main">
-  <p1510:revLst>
-    <p1510:client id="{0BCC560F-7820-429D-8025-1E8FC2149156}" v="110" dt="2023-03-17T19:24:30.751"/>
-    <p1510:client id="{9CE4218A-A51D-FB4E-BB2D-80BA4BB491C1}" v="331" dt="2023-03-17T18:22:45.469"/>
-    <p1510:client id="{B6CE4E4F-36D3-6C48-AEBC-72F8493CE70C}" v="14" dt="2023-03-17T20:55:33.631"/>
-    <p1510:client id="{D067B567-684B-BEE7-F3E4-9D3E1F8120F8}" v="586" dt="2023-03-17T20:51:33.133"/>
-  </p1510:revLst>
-</p1510:revInfo>
 </file>
 
 <file path=ppt/diagrams/colors1.xml><?xml version="1.0" encoding="utf-8"?>
@@ -10004,7 +9993,7 @@
             </a:lnSpc>
           </a:pPr>
           <a:r>
-            <a:rPr lang="en-US"/>
+            <a:rPr lang="en-US" dirty="0"/>
             <a:t>Update - PATCH</a:t>
           </a:r>
         </a:p>
@@ -10173,16 +10162,16 @@
       <dgm:prSet presAssocID="{9901C52D-CE34-4BBE-B1E9-7FDB919E0987}" presName="sibTrans" presStyleCnt="0"/>
       <dgm:spPr/>
     </dgm:pt>
-    <dgm:pt modelId="{C11F515E-A542-4EF2-A536-BE4A1D0674B4}" type="pres">
-      <dgm:prSet presAssocID="{46CE59BD-C429-4CB3-A718-F04CB745151F}" presName="compNode" presStyleCnt="0"/>
+    <dgm:pt modelId="{F38C9559-D427-41F3-A0B8-9BED90F224E7}" type="pres">
+      <dgm:prSet presAssocID="{9A79FEA8-1CD5-4D3B-8534-39EDE808CAB2}" presName="compNode" presStyleCnt="0"/>
       <dgm:spPr/>
     </dgm:pt>
-    <dgm:pt modelId="{648DBBC5-3596-43A8-A4DD-35F6AB1D9C44}" type="pres">
-      <dgm:prSet presAssocID="{46CE59BD-C429-4CB3-A718-F04CB745151F}" presName="bgRect" presStyleLbl="bgShp" presStyleIdx="1" presStyleCnt="4"/>
+    <dgm:pt modelId="{AE0B7D79-F8FF-4FBE-B172-E241A3D79877}" type="pres">
+      <dgm:prSet presAssocID="{9A79FEA8-1CD5-4D3B-8534-39EDE808CAB2}" presName="bgRect" presStyleLbl="bgShp" presStyleIdx="1" presStyleCnt="4"/>
       <dgm:spPr/>
     </dgm:pt>
-    <dgm:pt modelId="{0A35DDC1-4BB9-4C41-940F-87B4A1020383}" type="pres">
-      <dgm:prSet presAssocID="{46CE59BD-C429-4CB3-A718-F04CB745151F}" presName="iconRect" presStyleLbl="node1" presStyleIdx="1" presStyleCnt="4"/>
+    <dgm:pt modelId="{D5779C56-81BE-4E89-9FFF-5214AD550D21}" type="pres">
+      <dgm:prSet presAssocID="{9A79FEA8-1CD5-4D3B-8534-39EDE808CAB2}" presName="iconRect" presStyleLbl="node1" presStyleIdx="1" presStyleCnt="4"/>
       <dgm:spPr>
         <a:blipFill>
           <a:blip xmlns:r="http://schemas.openxmlformats.org/officeDocument/2006/relationships" r:embed="rId3">
@@ -10202,16 +10191,16 @@
       </dgm:spPr>
       <dgm:extLst>
         <a:ext uri="{E40237B7-FDA0-4F09-8148-C483321AD2D9}">
-          <dgm14:cNvPr xmlns:dgm14="http://schemas.microsoft.com/office/drawing/2010/diagram" id="0" name="" descr="Tick"/>
+          <dgm14:cNvPr xmlns:dgm14="http://schemas.microsoft.com/office/drawing/2010/diagram" id="0" name="" descr="Open Book"/>
         </a:ext>
       </dgm:extLst>
     </dgm:pt>
-    <dgm:pt modelId="{9B131303-99FA-43A8-B8C2-69F4D1925E37}" type="pres">
-      <dgm:prSet presAssocID="{46CE59BD-C429-4CB3-A718-F04CB745151F}" presName="spaceRect" presStyleCnt="0"/>
+    <dgm:pt modelId="{5E05E02A-7DE7-414F-9887-E1639DABB3B4}" type="pres">
+      <dgm:prSet presAssocID="{9A79FEA8-1CD5-4D3B-8534-39EDE808CAB2}" presName="spaceRect" presStyleCnt="0"/>
       <dgm:spPr/>
     </dgm:pt>
-    <dgm:pt modelId="{00342BC3-2AFC-4A8C-B610-63AD92171818}" type="pres">
-      <dgm:prSet presAssocID="{46CE59BD-C429-4CB3-A718-F04CB745151F}" presName="parTx" presStyleLbl="revTx" presStyleIdx="1" presStyleCnt="4">
+    <dgm:pt modelId="{A4E8D1FC-9835-4F4E-B3D3-0925B88B0409}" type="pres">
+      <dgm:prSet presAssocID="{9A79FEA8-1CD5-4D3B-8534-39EDE808CAB2}" presName="parTx" presStyleLbl="revTx" presStyleIdx="1" presStyleCnt="4">
         <dgm:presLayoutVars>
           <dgm:chMax val="0"/>
           <dgm:chPref val="0"/>
@@ -10219,20 +10208,20 @@
       </dgm:prSet>
       <dgm:spPr/>
     </dgm:pt>
-    <dgm:pt modelId="{B1DFD3F6-51C3-400B-B9B1-B41CAA705C38}" type="pres">
-      <dgm:prSet presAssocID="{491BF9F6-9AA0-4585-A5D4-C84DFABE9ED5}" presName="sibTrans" presStyleCnt="0"/>
+    <dgm:pt modelId="{7B7B4144-C00E-4450-96ED-048EA032413A}" type="pres">
+      <dgm:prSet presAssocID="{211C4073-388C-42CE-B505-A596FBBF1DAB}" presName="sibTrans" presStyleCnt="0"/>
       <dgm:spPr/>
     </dgm:pt>
-    <dgm:pt modelId="{F38C9559-D427-41F3-A0B8-9BED90F224E7}" type="pres">
-      <dgm:prSet presAssocID="{9A79FEA8-1CD5-4D3B-8534-39EDE808CAB2}" presName="compNode" presStyleCnt="0"/>
+    <dgm:pt modelId="{C11F515E-A542-4EF2-A536-BE4A1D0674B4}" type="pres">
+      <dgm:prSet presAssocID="{46CE59BD-C429-4CB3-A718-F04CB745151F}" presName="compNode" presStyleCnt="0"/>
       <dgm:spPr/>
     </dgm:pt>
-    <dgm:pt modelId="{AE0B7D79-F8FF-4FBE-B172-E241A3D79877}" type="pres">
-      <dgm:prSet presAssocID="{9A79FEA8-1CD5-4D3B-8534-39EDE808CAB2}" presName="bgRect" presStyleLbl="bgShp" presStyleIdx="2" presStyleCnt="4"/>
+    <dgm:pt modelId="{648DBBC5-3596-43A8-A4DD-35F6AB1D9C44}" type="pres">
+      <dgm:prSet presAssocID="{46CE59BD-C429-4CB3-A718-F04CB745151F}" presName="bgRect" presStyleLbl="bgShp" presStyleIdx="2" presStyleCnt="4"/>
       <dgm:spPr/>
     </dgm:pt>
-    <dgm:pt modelId="{D5779C56-81BE-4E89-9FFF-5214AD550D21}" type="pres">
-      <dgm:prSet presAssocID="{9A79FEA8-1CD5-4D3B-8534-39EDE808CAB2}" presName="iconRect" presStyleLbl="node1" presStyleIdx="2" presStyleCnt="4"/>
+    <dgm:pt modelId="{0A35DDC1-4BB9-4C41-940F-87B4A1020383}" type="pres">
+      <dgm:prSet presAssocID="{46CE59BD-C429-4CB3-A718-F04CB745151F}" presName="iconRect" presStyleLbl="node1" presStyleIdx="2" presStyleCnt="4"/>
       <dgm:spPr>
         <a:blipFill>
           <a:blip xmlns:r="http://schemas.openxmlformats.org/officeDocument/2006/relationships" r:embed="rId5">
@@ -10252,16 +10241,16 @@
       </dgm:spPr>
       <dgm:extLst>
         <a:ext uri="{E40237B7-FDA0-4F09-8148-C483321AD2D9}">
-          <dgm14:cNvPr xmlns:dgm14="http://schemas.microsoft.com/office/drawing/2010/diagram" id="0" name="" descr="Open Book"/>
+          <dgm14:cNvPr xmlns:dgm14="http://schemas.microsoft.com/office/drawing/2010/diagram" id="0" name="" descr="Tick"/>
         </a:ext>
       </dgm:extLst>
     </dgm:pt>
-    <dgm:pt modelId="{5E05E02A-7DE7-414F-9887-E1639DABB3B4}" type="pres">
-      <dgm:prSet presAssocID="{9A79FEA8-1CD5-4D3B-8534-39EDE808CAB2}" presName="spaceRect" presStyleCnt="0"/>
+    <dgm:pt modelId="{9B131303-99FA-43A8-B8C2-69F4D1925E37}" type="pres">
+      <dgm:prSet presAssocID="{46CE59BD-C429-4CB3-A718-F04CB745151F}" presName="spaceRect" presStyleCnt="0"/>
       <dgm:spPr/>
     </dgm:pt>
-    <dgm:pt modelId="{A4E8D1FC-9835-4F4E-B3D3-0925B88B0409}" type="pres">
-      <dgm:prSet presAssocID="{9A79FEA8-1CD5-4D3B-8534-39EDE808CAB2}" presName="parTx" presStyleLbl="revTx" presStyleIdx="2" presStyleCnt="4">
+    <dgm:pt modelId="{00342BC3-2AFC-4A8C-B610-63AD92171818}" type="pres">
+      <dgm:prSet presAssocID="{46CE59BD-C429-4CB3-A718-F04CB745151F}" presName="parTx" presStyleLbl="revTx" presStyleIdx="2" presStyleCnt="4">
         <dgm:presLayoutVars>
           <dgm:chMax val="0"/>
           <dgm:chPref val="0"/>
@@ -10269,8 +10258,8 @@
       </dgm:prSet>
       <dgm:spPr/>
     </dgm:pt>
-    <dgm:pt modelId="{7B7B4144-C00E-4450-96ED-048EA032413A}" type="pres">
-      <dgm:prSet presAssocID="{211C4073-388C-42CE-B505-A596FBBF1DAB}" presName="sibTrans" presStyleCnt="0"/>
+    <dgm:pt modelId="{B1DFD3F6-51C3-400B-B9B1-B41CAA705C38}" type="pres">
+      <dgm:prSet presAssocID="{491BF9F6-9AA0-4585-A5D4-C84DFABE9ED5}" presName="sibTrans" presStyleCnt="0"/>
       <dgm:spPr/>
     </dgm:pt>
     <dgm:pt modelId="{C594026F-22EE-4BA6-808F-C45DFE193B1C}" type="pres">
@@ -10321,38 +10310,38 @@
     </dgm:pt>
   </dgm:ptLst>
   <dgm:cxnLst>
-    <dgm:cxn modelId="{DE69A61F-08DB-4DFA-BD41-959E066B1156}" type="presOf" srcId="{A0CC6C67-E331-49EB-BBBF-BBA631D1439B}" destId="{A37CC50C-FA48-423E-8C2C-16A4FEC10B81}" srcOrd="0" destOrd="0" presId="urn:microsoft.com/office/officeart/2018/2/layout/IconVerticalSolidList"/>
-    <dgm:cxn modelId="{5938282A-F79D-4372-9747-B9525B98C004}" type="presOf" srcId="{9A79FEA8-1CD5-4D3B-8534-39EDE808CAB2}" destId="{A4E8D1FC-9835-4F4E-B3D3-0925B88B0409}" srcOrd="0" destOrd="0" presId="urn:microsoft.com/office/officeart/2018/2/layout/IconVerticalSolidList"/>
-    <dgm:cxn modelId="{E5C8A63D-BA05-43A4-806F-0DA1B75EFB66}" type="presOf" srcId="{46CE59BD-C429-4CB3-A718-F04CB745151F}" destId="{00342BC3-2AFC-4A8C-B610-63AD92171818}" srcOrd="0" destOrd="0" presId="urn:microsoft.com/office/officeart/2018/2/layout/IconVerticalSolidList"/>
-    <dgm:cxn modelId="{0AC2F77F-12D4-44C8-8861-4AC56882ACF4}" type="presOf" srcId="{B6CD6A73-CA7A-4596-96DA-5B32E004A36D}" destId="{46D6CB9C-168E-4214-B511-5A30821FAFDE}" srcOrd="0" destOrd="0" presId="urn:microsoft.com/office/officeart/2018/2/layout/IconVerticalSolidList"/>
-    <dgm:cxn modelId="{48A59187-6CBC-4FA5-8FC8-91C2BB9BAAAF}" srcId="{1F928A1C-D5B3-458D-8CDC-3128431D5F4B}" destId="{46CE59BD-C429-4CB3-A718-F04CB745151F}" srcOrd="1" destOrd="0" parTransId="{26BD9560-7A92-4B68-81A4-2C1EABB7CD7D}" sibTransId="{491BF9F6-9AA0-4585-A5D4-C84DFABE9ED5}"/>
+    <dgm:cxn modelId="{210C3B23-88DA-A341-A1F6-5D1DEC3AE765}" type="presOf" srcId="{9A79FEA8-1CD5-4D3B-8534-39EDE808CAB2}" destId="{A4E8D1FC-9835-4F4E-B3D3-0925B88B0409}" srcOrd="0" destOrd="0" presId="urn:microsoft.com/office/officeart/2018/2/layout/IconVerticalSolidList"/>
+    <dgm:cxn modelId="{7C2FCA3E-CC86-5341-8546-50EDA6762F5F}" type="presOf" srcId="{A0CC6C67-E331-49EB-BBBF-BBA631D1439B}" destId="{A37CC50C-FA48-423E-8C2C-16A4FEC10B81}" srcOrd="0" destOrd="0" presId="urn:microsoft.com/office/officeart/2018/2/layout/IconVerticalSolidList"/>
+    <dgm:cxn modelId="{4C241859-C149-AC4E-BFF6-11F5988D66C3}" type="presOf" srcId="{B6CD6A73-CA7A-4596-96DA-5B32E004A36D}" destId="{46D6CB9C-168E-4214-B511-5A30821FAFDE}" srcOrd="0" destOrd="0" presId="urn:microsoft.com/office/officeart/2018/2/layout/IconVerticalSolidList"/>
+    <dgm:cxn modelId="{377EAE71-EE10-7E48-A00D-90C5ADDBDA3E}" type="presOf" srcId="{46CE59BD-C429-4CB3-A718-F04CB745151F}" destId="{00342BC3-2AFC-4A8C-B610-63AD92171818}" srcOrd="0" destOrd="0" presId="urn:microsoft.com/office/officeart/2018/2/layout/IconVerticalSolidList"/>
+    <dgm:cxn modelId="{48A59187-6CBC-4FA5-8FC8-91C2BB9BAAAF}" srcId="{1F928A1C-D5B3-458D-8CDC-3128431D5F4B}" destId="{46CE59BD-C429-4CB3-A718-F04CB745151F}" srcOrd="2" destOrd="0" parTransId="{26BD9560-7A92-4B68-81A4-2C1EABB7CD7D}" sibTransId="{491BF9F6-9AA0-4585-A5D4-C84DFABE9ED5}"/>
     <dgm:cxn modelId="{FFF33791-5BE3-4DB8-B345-1F2D9B6795BE}" srcId="{1F928A1C-D5B3-458D-8CDC-3128431D5F4B}" destId="{A0CC6C67-E331-49EB-BBBF-BBA631D1439B}" srcOrd="0" destOrd="0" parTransId="{4B5AD7E5-CC07-4C0A-A632-0A12EE1F0CCD}" sibTransId="{9901C52D-CE34-4BBE-B1E9-7FDB919E0987}"/>
     <dgm:cxn modelId="{950281B6-8A50-4C7C-B5B1-D8CA0BF52C71}" type="presOf" srcId="{1F928A1C-D5B3-458D-8CDC-3128431D5F4B}" destId="{32441808-33EA-4313-BDD6-DECFF84B3281}" srcOrd="0" destOrd="0" presId="urn:microsoft.com/office/officeart/2018/2/layout/IconVerticalSolidList"/>
     <dgm:cxn modelId="{1ECFEAD0-3393-461A-88B3-BABAEBF3D68C}" srcId="{1F928A1C-D5B3-458D-8CDC-3128431D5F4B}" destId="{B6CD6A73-CA7A-4596-96DA-5B32E004A36D}" srcOrd="3" destOrd="0" parTransId="{C5985904-5C5E-46A3-8A3B-B2C60763D5A6}" sibTransId="{E4004087-1B43-4F5C-B147-E0398446392D}"/>
-    <dgm:cxn modelId="{AC7273FD-FDF4-48FF-BF49-95F9136D5F99}" srcId="{1F928A1C-D5B3-458D-8CDC-3128431D5F4B}" destId="{9A79FEA8-1CD5-4D3B-8534-39EDE808CAB2}" srcOrd="2" destOrd="0" parTransId="{5EF767D3-4561-46BF-A0B1-24FA57822268}" sibTransId="{211C4073-388C-42CE-B505-A596FBBF1DAB}"/>
-    <dgm:cxn modelId="{DB46D782-2E30-44F8-BB4C-C2F4B7119F6D}" type="presParOf" srcId="{32441808-33EA-4313-BDD6-DECFF84B3281}" destId="{82F6351D-CD23-4831-9305-F9208ABF1B8A}" srcOrd="0" destOrd="0" presId="urn:microsoft.com/office/officeart/2018/2/layout/IconVerticalSolidList"/>
-    <dgm:cxn modelId="{6CA1BA1B-C886-4E72-BCCF-0E820999DD22}" type="presParOf" srcId="{82F6351D-CD23-4831-9305-F9208ABF1B8A}" destId="{23C346DC-D6A4-460B-9599-9DA4EFD86D3B}" srcOrd="0" destOrd="0" presId="urn:microsoft.com/office/officeart/2018/2/layout/IconVerticalSolidList"/>
-    <dgm:cxn modelId="{4EC5D6D4-E765-4A8E-8A2B-7645AF26D2A2}" type="presParOf" srcId="{82F6351D-CD23-4831-9305-F9208ABF1B8A}" destId="{D9A56BA1-22CC-4C32-A82C-9FB144604AC9}" srcOrd="1" destOrd="0" presId="urn:microsoft.com/office/officeart/2018/2/layout/IconVerticalSolidList"/>
-    <dgm:cxn modelId="{F5AA6B9D-B431-4348-AFD9-DACD88975720}" type="presParOf" srcId="{82F6351D-CD23-4831-9305-F9208ABF1B8A}" destId="{2C35D442-808B-459A-A254-F84C0BDFFDC7}" srcOrd="2" destOrd="0" presId="urn:microsoft.com/office/officeart/2018/2/layout/IconVerticalSolidList"/>
-    <dgm:cxn modelId="{08C36985-72D9-4DEE-BF1A-0C903B9D1C76}" type="presParOf" srcId="{82F6351D-CD23-4831-9305-F9208ABF1B8A}" destId="{A37CC50C-FA48-423E-8C2C-16A4FEC10B81}" srcOrd="3" destOrd="0" presId="urn:microsoft.com/office/officeart/2018/2/layout/IconVerticalSolidList"/>
-    <dgm:cxn modelId="{50C94F47-A6F4-4B09-BF1D-33133860303C}" type="presParOf" srcId="{32441808-33EA-4313-BDD6-DECFF84B3281}" destId="{BB3568BA-D4C8-4AE0-A951-D3859D957971}" srcOrd="1" destOrd="0" presId="urn:microsoft.com/office/officeart/2018/2/layout/IconVerticalSolidList"/>
-    <dgm:cxn modelId="{F3FF1955-69A8-49E8-B07A-B00C31A303A2}" type="presParOf" srcId="{32441808-33EA-4313-BDD6-DECFF84B3281}" destId="{C11F515E-A542-4EF2-A536-BE4A1D0674B4}" srcOrd="2" destOrd="0" presId="urn:microsoft.com/office/officeart/2018/2/layout/IconVerticalSolidList"/>
-    <dgm:cxn modelId="{3579494F-C31B-4EC8-B2FD-37E56CBEBE89}" type="presParOf" srcId="{C11F515E-A542-4EF2-A536-BE4A1D0674B4}" destId="{648DBBC5-3596-43A8-A4DD-35F6AB1D9C44}" srcOrd="0" destOrd="0" presId="urn:microsoft.com/office/officeart/2018/2/layout/IconVerticalSolidList"/>
-    <dgm:cxn modelId="{C45B35A4-D9F1-4D75-9E99-67781C4A4B5D}" type="presParOf" srcId="{C11F515E-A542-4EF2-A536-BE4A1D0674B4}" destId="{0A35DDC1-4BB9-4C41-940F-87B4A1020383}" srcOrd="1" destOrd="0" presId="urn:microsoft.com/office/officeart/2018/2/layout/IconVerticalSolidList"/>
-    <dgm:cxn modelId="{C71EC97B-629D-407C-932D-6E95A8FFB094}" type="presParOf" srcId="{C11F515E-A542-4EF2-A536-BE4A1D0674B4}" destId="{9B131303-99FA-43A8-B8C2-69F4D1925E37}" srcOrd="2" destOrd="0" presId="urn:microsoft.com/office/officeart/2018/2/layout/IconVerticalSolidList"/>
-    <dgm:cxn modelId="{ADF89FF2-C44B-4366-9027-0D614E8B646C}" type="presParOf" srcId="{C11F515E-A542-4EF2-A536-BE4A1D0674B4}" destId="{00342BC3-2AFC-4A8C-B610-63AD92171818}" srcOrd="3" destOrd="0" presId="urn:microsoft.com/office/officeart/2018/2/layout/IconVerticalSolidList"/>
-    <dgm:cxn modelId="{E14EB532-D3D5-4FA6-9C74-750EBAB4222D}" type="presParOf" srcId="{32441808-33EA-4313-BDD6-DECFF84B3281}" destId="{B1DFD3F6-51C3-400B-B9B1-B41CAA705C38}" srcOrd="3" destOrd="0" presId="urn:microsoft.com/office/officeart/2018/2/layout/IconVerticalSolidList"/>
-    <dgm:cxn modelId="{06A585F5-7BFA-4545-8F03-14CCD944A1DD}" type="presParOf" srcId="{32441808-33EA-4313-BDD6-DECFF84B3281}" destId="{F38C9559-D427-41F3-A0B8-9BED90F224E7}" srcOrd="4" destOrd="0" presId="urn:microsoft.com/office/officeart/2018/2/layout/IconVerticalSolidList"/>
-    <dgm:cxn modelId="{16095FAC-F8DC-4990-B11D-C0011D223D76}" type="presParOf" srcId="{F38C9559-D427-41F3-A0B8-9BED90F224E7}" destId="{AE0B7D79-F8FF-4FBE-B172-E241A3D79877}" srcOrd="0" destOrd="0" presId="urn:microsoft.com/office/officeart/2018/2/layout/IconVerticalSolidList"/>
-    <dgm:cxn modelId="{9DEC7CBA-BBBD-409C-9954-FEB0755BDD74}" type="presParOf" srcId="{F38C9559-D427-41F3-A0B8-9BED90F224E7}" destId="{D5779C56-81BE-4E89-9FFF-5214AD550D21}" srcOrd="1" destOrd="0" presId="urn:microsoft.com/office/officeart/2018/2/layout/IconVerticalSolidList"/>
-    <dgm:cxn modelId="{9205964B-B105-4B71-B6B2-72017965EDB0}" type="presParOf" srcId="{F38C9559-D427-41F3-A0B8-9BED90F224E7}" destId="{5E05E02A-7DE7-414F-9887-E1639DABB3B4}" srcOrd="2" destOrd="0" presId="urn:microsoft.com/office/officeart/2018/2/layout/IconVerticalSolidList"/>
-    <dgm:cxn modelId="{C4216FFC-0197-40B8-A27A-732AC8B71F10}" type="presParOf" srcId="{F38C9559-D427-41F3-A0B8-9BED90F224E7}" destId="{A4E8D1FC-9835-4F4E-B3D3-0925B88B0409}" srcOrd="3" destOrd="0" presId="urn:microsoft.com/office/officeart/2018/2/layout/IconVerticalSolidList"/>
-    <dgm:cxn modelId="{929BC436-4F51-411E-AD20-8DFF1B3269E5}" type="presParOf" srcId="{32441808-33EA-4313-BDD6-DECFF84B3281}" destId="{7B7B4144-C00E-4450-96ED-048EA032413A}" srcOrd="5" destOrd="0" presId="urn:microsoft.com/office/officeart/2018/2/layout/IconVerticalSolidList"/>
-    <dgm:cxn modelId="{C1FF71F6-22DC-4248-A510-D5192B698046}" type="presParOf" srcId="{32441808-33EA-4313-BDD6-DECFF84B3281}" destId="{C594026F-22EE-4BA6-808F-C45DFE193B1C}" srcOrd="6" destOrd="0" presId="urn:microsoft.com/office/officeart/2018/2/layout/IconVerticalSolidList"/>
-    <dgm:cxn modelId="{4F7EFB2E-B176-486A-9CEA-33C572EC8B42}" type="presParOf" srcId="{C594026F-22EE-4BA6-808F-C45DFE193B1C}" destId="{BE40A6F2-5C14-4CC9-8A38-5EDDA4053D40}" srcOrd="0" destOrd="0" presId="urn:microsoft.com/office/officeart/2018/2/layout/IconVerticalSolidList"/>
-    <dgm:cxn modelId="{245A8C4D-9B04-4A70-84D2-42BA43D78BEA}" type="presParOf" srcId="{C594026F-22EE-4BA6-808F-C45DFE193B1C}" destId="{CA2E3978-9C70-4692-9D59-6AF6E5BF5004}" srcOrd="1" destOrd="0" presId="urn:microsoft.com/office/officeart/2018/2/layout/IconVerticalSolidList"/>
-    <dgm:cxn modelId="{C6253783-E7B7-4F82-BE69-9A9778EFD9BF}" type="presParOf" srcId="{C594026F-22EE-4BA6-808F-C45DFE193B1C}" destId="{8B70D555-7F53-408D-9170-58A6EC648220}" srcOrd="2" destOrd="0" presId="urn:microsoft.com/office/officeart/2018/2/layout/IconVerticalSolidList"/>
-    <dgm:cxn modelId="{30CB99B3-02F5-4CDF-8779-02B102400B44}" type="presParOf" srcId="{C594026F-22EE-4BA6-808F-C45DFE193B1C}" destId="{46D6CB9C-168E-4214-B511-5A30821FAFDE}" srcOrd="3" destOrd="0" presId="urn:microsoft.com/office/officeart/2018/2/layout/IconVerticalSolidList"/>
+    <dgm:cxn modelId="{AC7273FD-FDF4-48FF-BF49-95F9136D5F99}" srcId="{1F928A1C-D5B3-458D-8CDC-3128431D5F4B}" destId="{9A79FEA8-1CD5-4D3B-8534-39EDE808CAB2}" srcOrd="1" destOrd="0" parTransId="{5EF767D3-4561-46BF-A0B1-24FA57822268}" sibTransId="{211C4073-388C-42CE-B505-A596FBBF1DAB}"/>
+    <dgm:cxn modelId="{6204B163-B2A7-8C43-B35B-261A59A9B90D}" type="presParOf" srcId="{32441808-33EA-4313-BDD6-DECFF84B3281}" destId="{82F6351D-CD23-4831-9305-F9208ABF1B8A}" srcOrd="0" destOrd="0" presId="urn:microsoft.com/office/officeart/2018/2/layout/IconVerticalSolidList"/>
+    <dgm:cxn modelId="{9FD57AB6-7EB6-8B40-BFC7-56061D82EF72}" type="presParOf" srcId="{82F6351D-CD23-4831-9305-F9208ABF1B8A}" destId="{23C346DC-D6A4-460B-9599-9DA4EFD86D3B}" srcOrd="0" destOrd="0" presId="urn:microsoft.com/office/officeart/2018/2/layout/IconVerticalSolidList"/>
+    <dgm:cxn modelId="{697C4994-A676-934C-99A7-88B196F0F1AE}" type="presParOf" srcId="{82F6351D-CD23-4831-9305-F9208ABF1B8A}" destId="{D9A56BA1-22CC-4C32-A82C-9FB144604AC9}" srcOrd="1" destOrd="0" presId="urn:microsoft.com/office/officeart/2018/2/layout/IconVerticalSolidList"/>
+    <dgm:cxn modelId="{B7998C13-B651-D149-B10D-28D36B1277BE}" type="presParOf" srcId="{82F6351D-CD23-4831-9305-F9208ABF1B8A}" destId="{2C35D442-808B-459A-A254-F84C0BDFFDC7}" srcOrd="2" destOrd="0" presId="urn:microsoft.com/office/officeart/2018/2/layout/IconVerticalSolidList"/>
+    <dgm:cxn modelId="{44C9297F-43C7-804A-91F4-EF5C6E95BC18}" type="presParOf" srcId="{82F6351D-CD23-4831-9305-F9208ABF1B8A}" destId="{A37CC50C-FA48-423E-8C2C-16A4FEC10B81}" srcOrd="3" destOrd="0" presId="urn:microsoft.com/office/officeart/2018/2/layout/IconVerticalSolidList"/>
+    <dgm:cxn modelId="{0AA061EF-B1C9-A842-A96A-4FA9FE5540B3}" type="presParOf" srcId="{32441808-33EA-4313-BDD6-DECFF84B3281}" destId="{BB3568BA-D4C8-4AE0-A951-D3859D957971}" srcOrd="1" destOrd="0" presId="urn:microsoft.com/office/officeart/2018/2/layout/IconVerticalSolidList"/>
+    <dgm:cxn modelId="{A8EEABCA-C82A-DF40-AEF3-B41574A1B19A}" type="presParOf" srcId="{32441808-33EA-4313-BDD6-DECFF84B3281}" destId="{F38C9559-D427-41F3-A0B8-9BED90F224E7}" srcOrd="2" destOrd="0" presId="urn:microsoft.com/office/officeart/2018/2/layout/IconVerticalSolidList"/>
+    <dgm:cxn modelId="{752A61D4-22AA-3F42-B58A-D216505D8B87}" type="presParOf" srcId="{F38C9559-D427-41F3-A0B8-9BED90F224E7}" destId="{AE0B7D79-F8FF-4FBE-B172-E241A3D79877}" srcOrd="0" destOrd="0" presId="urn:microsoft.com/office/officeart/2018/2/layout/IconVerticalSolidList"/>
+    <dgm:cxn modelId="{F3FB809E-E6F3-8644-85B3-01F9C1103545}" type="presParOf" srcId="{F38C9559-D427-41F3-A0B8-9BED90F224E7}" destId="{D5779C56-81BE-4E89-9FFF-5214AD550D21}" srcOrd="1" destOrd="0" presId="urn:microsoft.com/office/officeart/2018/2/layout/IconVerticalSolidList"/>
+    <dgm:cxn modelId="{58432153-5C0F-3349-B78B-DEE66698A78C}" type="presParOf" srcId="{F38C9559-D427-41F3-A0B8-9BED90F224E7}" destId="{5E05E02A-7DE7-414F-9887-E1639DABB3B4}" srcOrd="2" destOrd="0" presId="urn:microsoft.com/office/officeart/2018/2/layout/IconVerticalSolidList"/>
+    <dgm:cxn modelId="{5D45BF8D-D50C-9047-B89D-34010D94AC58}" type="presParOf" srcId="{F38C9559-D427-41F3-A0B8-9BED90F224E7}" destId="{A4E8D1FC-9835-4F4E-B3D3-0925B88B0409}" srcOrd="3" destOrd="0" presId="urn:microsoft.com/office/officeart/2018/2/layout/IconVerticalSolidList"/>
+    <dgm:cxn modelId="{97E361D3-E326-CE41-B3AE-6F2754AF27E8}" type="presParOf" srcId="{32441808-33EA-4313-BDD6-DECFF84B3281}" destId="{7B7B4144-C00E-4450-96ED-048EA032413A}" srcOrd="3" destOrd="0" presId="urn:microsoft.com/office/officeart/2018/2/layout/IconVerticalSolidList"/>
+    <dgm:cxn modelId="{B8AFCDBB-8291-4D44-9E8E-CDFE93887236}" type="presParOf" srcId="{32441808-33EA-4313-BDD6-DECFF84B3281}" destId="{C11F515E-A542-4EF2-A536-BE4A1D0674B4}" srcOrd="4" destOrd="0" presId="urn:microsoft.com/office/officeart/2018/2/layout/IconVerticalSolidList"/>
+    <dgm:cxn modelId="{3CDA1758-3E75-E24B-A893-C99100D52316}" type="presParOf" srcId="{C11F515E-A542-4EF2-A536-BE4A1D0674B4}" destId="{648DBBC5-3596-43A8-A4DD-35F6AB1D9C44}" srcOrd="0" destOrd="0" presId="urn:microsoft.com/office/officeart/2018/2/layout/IconVerticalSolidList"/>
+    <dgm:cxn modelId="{175B0753-72C6-464E-8FD9-7EF0242EAF9B}" type="presParOf" srcId="{C11F515E-A542-4EF2-A536-BE4A1D0674B4}" destId="{0A35DDC1-4BB9-4C41-940F-87B4A1020383}" srcOrd="1" destOrd="0" presId="urn:microsoft.com/office/officeart/2018/2/layout/IconVerticalSolidList"/>
+    <dgm:cxn modelId="{62708B2D-1AFC-E048-A56B-B9CE85708834}" type="presParOf" srcId="{C11F515E-A542-4EF2-A536-BE4A1D0674B4}" destId="{9B131303-99FA-43A8-B8C2-69F4D1925E37}" srcOrd="2" destOrd="0" presId="urn:microsoft.com/office/officeart/2018/2/layout/IconVerticalSolidList"/>
+    <dgm:cxn modelId="{5F95B1B0-303C-B449-B65F-01170D83C90F}" type="presParOf" srcId="{C11F515E-A542-4EF2-A536-BE4A1D0674B4}" destId="{00342BC3-2AFC-4A8C-B610-63AD92171818}" srcOrd="3" destOrd="0" presId="urn:microsoft.com/office/officeart/2018/2/layout/IconVerticalSolidList"/>
+    <dgm:cxn modelId="{86BFA8B4-9C79-C542-BE90-29CD5DAA307C}" type="presParOf" srcId="{32441808-33EA-4313-BDD6-DECFF84B3281}" destId="{B1DFD3F6-51C3-400B-B9B1-B41CAA705C38}" srcOrd="5" destOrd="0" presId="urn:microsoft.com/office/officeart/2018/2/layout/IconVerticalSolidList"/>
+    <dgm:cxn modelId="{E26757CE-3E05-D744-BEF1-0CF8F79BD0E1}" type="presParOf" srcId="{32441808-33EA-4313-BDD6-DECFF84B3281}" destId="{C594026F-22EE-4BA6-808F-C45DFE193B1C}" srcOrd="6" destOrd="0" presId="urn:microsoft.com/office/officeart/2018/2/layout/IconVerticalSolidList"/>
+    <dgm:cxn modelId="{9477C6D7-1417-E040-9AF5-244692055A5C}" type="presParOf" srcId="{C594026F-22EE-4BA6-808F-C45DFE193B1C}" destId="{BE40A6F2-5C14-4CC9-8A38-5EDDA4053D40}" srcOrd="0" destOrd="0" presId="urn:microsoft.com/office/officeart/2018/2/layout/IconVerticalSolidList"/>
+    <dgm:cxn modelId="{8E5A97AD-DCEA-3B47-B4EE-527920B5B5B9}" type="presParOf" srcId="{C594026F-22EE-4BA6-808F-C45DFE193B1C}" destId="{CA2E3978-9C70-4692-9D59-6AF6E5BF5004}" srcOrd="1" destOrd="0" presId="urn:microsoft.com/office/officeart/2018/2/layout/IconVerticalSolidList"/>
+    <dgm:cxn modelId="{DEB8FC22-D7E1-594A-B4BE-4D44EE8E40CF}" type="presParOf" srcId="{C594026F-22EE-4BA6-808F-C45DFE193B1C}" destId="{8B70D555-7F53-408D-9170-58A6EC648220}" srcOrd="2" destOrd="0" presId="urn:microsoft.com/office/officeart/2018/2/layout/IconVerticalSolidList"/>
+    <dgm:cxn modelId="{24AD8FFB-709A-D947-883A-C106A978B1C0}" type="presParOf" srcId="{C594026F-22EE-4BA6-808F-C45DFE193B1C}" destId="{46D6CB9C-168E-4214-B511-5A30821FAFDE}" srcOrd="3" destOrd="0" presId="urn:microsoft.com/office/officeart/2018/2/layout/IconVerticalSolidList"/>
   </dgm:cxnLst>
   <dgm:bg/>
   <dgm:whole/>
@@ -13345,7 +13334,7 @@
         <a:ext cx="5048624" cy="849091"/>
       </dsp:txXfrm>
     </dsp:sp>
-    <dsp:sp modelId="{648DBBC5-3596-43A8-A4DD-35F6AB1D9C44}">
+    <dsp:sp modelId="{AE0B7D79-F8FF-4FBE-B172-E241A3D79877}">
       <dsp:nvSpPr>
         <dsp:cNvPr id="0" name=""/>
         <dsp:cNvSpPr/>
@@ -13387,7 +13376,7 @@
         <a:fontRef idx="minor"/>
       </dsp:style>
     </dsp:sp>
-    <dsp:sp modelId="{0A35DDC1-4BB9-4C41-940F-87B4A1020383}">
+    <dsp:sp modelId="{D5779C56-81BE-4E89-9FFF-5214AD550D21}">
       <dsp:nvSpPr>
         <dsp:cNvPr id="0" name=""/>
         <dsp:cNvSpPr/>
@@ -13444,7 +13433,7 @@
         </a:fontRef>
       </dsp:style>
     </dsp:sp>
-    <dsp:sp modelId="{00342BC3-2AFC-4A8C-B610-63AD92171818}">
+    <dsp:sp modelId="{A4E8D1FC-9835-4F4E-B3D3-0925B88B0409}">
       <dsp:nvSpPr>
         <dsp:cNvPr id="0" name=""/>
         <dsp:cNvSpPr/>
@@ -13495,7 +13484,7 @@
           </a:pPr>
           <a:r>
             <a:rPr lang="en-US" sz="2200" kern="1200"/>
-            <a:t>Update - PATCH</a:t>
+            <a:t>Read - GET</a:t>
           </a:r>
         </a:p>
       </dsp:txBody>
@@ -13504,7 +13493,7 @@
         <a:ext cx="5048624" cy="849091"/>
       </dsp:txXfrm>
     </dsp:sp>
-    <dsp:sp modelId="{AE0B7D79-F8FF-4FBE-B172-E241A3D79877}">
+    <dsp:sp modelId="{648DBBC5-3596-43A8-A4DD-35F6AB1D9C44}">
       <dsp:nvSpPr>
         <dsp:cNvPr id="0" name=""/>
         <dsp:cNvSpPr/>
@@ -13546,7 +13535,7 @@
         <a:fontRef idx="minor"/>
       </dsp:style>
     </dsp:sp>
-    <dsp:sp modelId="{D5779C56-81BE-4E89-9FFF-5214AD550D21}">
+    <dsp:sp modelId="{0A35DDC1-4BB9-4C41-940F-87B4A1020383}">
       <dsp:nvSpPr>
         <dsp:cNvPr id="0" name=""/>
         <dsp:cNvSpPr/>
@@ -13603,7 +13592,7 @@
         </a:fontRef>
       </dsp:style>
     </dsp:sp>
-    <dsp:sp modelId="{A4E8D1FC-9835-4F4E-B3D3-0925B88B0409}">
+    <dsp:sp modelId="{00342BC3-2AFC-4A8C-B610-63AD92171818}">
       <dsp:nvSpPr>
         <dsp:cNvPr id="0" name=""/>
         <dsp:cNvSpPr/>
@@ -13653,8 +13642,8 @@
             <a:buNone/>
           </a:pPr>
           <a:r>
-            <a:rPr lang="en-US" sz="2200" kern="1200"/>
-            <a:t>Read - GET</a:t>
+            <a:rPr lang="en-US" sz="2200" kern="1200" dirty="0"/>
+            <a:t>Update - PATCH</a:t>
           </a:r>
         </a:p>
       </dsp:txBody>
@@ -27108,7 +27097,7 @@
           <a:p>
             <a:fld id="{D79D6FCA-63D9-C941-BD2D-CD52C7453ECD}" type="datetimeFigureOut">
               <a:rPr lang="en-US" smtClean="0"/>
-              <a:t>3/20/23</a:t>
+              <a:t>3/24/23</a:t>
             </a:fld>
             <a:endParaRPr lang="en-US"/>
           </a:p>
@@ -28558,7 +28547,7 @@
           <a:p>
             <a:fld id="{79C5A860-F335-4252-AA00-24FB67ED2982}" type="datetime1">
               <a:rPr lang="en-US" smtClean="0"/>
-              <a:t>3/20/23</a:t>
+              <a:t>3/24/23</a:t>
             </a:fld>
             <a:endParaRPr lang="en-US"/>
           </a:p>
@@ -28756,7 +28745,7 @@
           <a:p>
             <a:fld id="{46AB1048-0047-48CA-88BA-D69B470942CF}" type="datetime1">
               <a:rPr lang="en-US" smtClean="0"/>
-              <a:t>3/20/23</a:t>
+              <a:t>3/24/23</a:t>
             </a:fld>
             <a:endParaRPr lang="en-US"/>
           </a:p>
@@ -28964,7 +28953,7 @@
           <a:p>
             <a:fld id="{5BD83879-648C-49A9-81A2-0EF5946532D0}" type="datetime1">
               <a:rPr lang="en-US" smtClean="0"/>
-              <a:t>3/20/23</a:t>
+              <a:t>3/24/23</a:t>
             </a:fld>
             <a:endParaRPr lang="en-US"/>
           </a:p>
@@ -29162,7 +29151,7 @@
           <a:p>
             <a:fld id="{D04BC802-30E3-4658-9CCA-F873646FEC67}" type="datetime1">
               <a:rPr lang="en-US" smtClean="0"/>
-              <a:t>3/20/23</a:t>
+              <a:t>3/24/23</a:t>
             </a:fld>
             <a:endParaRPr lang="en-US"/>
           </a:p>
@@ -29439,7 +29428,7 @@
           <a:p>
             <a:fld id="{0AB227A3-19CE-4153-81CE-64EB7AB094B3}" type="datetime1">
               <a:rPr lang="en-US" smtClean="0"/>
-              <a:t>3/20/23</a:t>
+              <a:t>3/24/23</a:t>
             </a:fld>
             <a:endParaRPr lang="en-US"/>
           </a:p>
@@ -29704,7 +29693,7 @@
           <a:p>
             <a:fld id="{B819A100-10F6-477E-8847-29D479EF1C92}" type="datetime1">
               <a:rPr lang="en-US" smtClean="0"/>
-              <a:t>3/20/23</a:t>
+              <a:t>3/24/23</a:t>
             </a:fld>
             <a:endParaRPr lang="en-US"/>
           </a:p>
@@ -30116,7 +30105,7 @@
           <a:p>
             <a:fld id="{5DF128AB-198A-495F-8475-FDB360C9873F}" type="datetime1">
               <a:rPr lang="en-US" smtClean="0"/>
-              <a:t>3/20/23</a:t>
+              <a:t>3/24/23</a:t>
             </a:fld>
             <a:endParaRPr lang="en-US"/>
           </a:p>
@@ -30257,7 +30246,7 @@
           <a:p>
             <a:fld id="{021A235E-F8FD-479F-9FC7-18BE84110877}" type="datetime1">
               <a:rPr lang="en-US" smtClean="0"/>
-              <a:t>3/20/23</a:t>
+              <a:t>3/24/23</a:t>
             </a:fld>
             <a:endParaRPr lang="en-US"/>
           </a:p>
@@ -30370,7 +30359,7 @@
           <a:p>
             <a:fld id="{E890F09B-68DA-462E-9DB4-4C9ADAB8CBCC}" type="datetime1">
               <a:rPr lang="en-US" smtClean="0"/>
-              <a:t>3/20/23</a:t>
+              <a:t>3/24/23</a:t>
             </a:fld>
             <a:endParaRPr lang="en-US"/>
           </a:p>
@@ -30687,7 +30676,7 @@
           <a:p>
             <a:fld id="{17AC4E36-FABE-47EB-AA7F-C19A93824617}" type="datetime1">
               <a:rPr lang="en-US" smtClean="0"/>
-              <a:t>3/20/23</a:t>
+              <a:t>3/24/23</a:t>
             </a:fld>
             <a:endParaRPr lang="en-US"/>
           </a:p>
@@ -30982,7 +30971,7 @@
           <a:p>
             <a:fld id="{F199CE6B-5DE6-4A2D-B72E-5E8969F9F56F}" type="datetime1">
               <a:rPr lang="en-US" smtClean="0"/>
-              <a:t>3/20/23</a:t>
+              <a:t>3/24/23</a:t>
             </a:fld>
             <a:endParaRPr lang="en-US"/>
           </a:p>
@@ -31838,7 +31827,7 @@
           <a:p>
             <a:fld id="{F481A142-DA77-4A5F-AD1F-14E6C18F0F5F}" type="datetime1">
               <a:rPr lang="en-US" smtClean="0"/>
-              <a:t>3/20/23</a:t>
+              <a:t>3/24/23</a:t>
             </a:fld>
             <a:endParaRPr lang="en-US"/>
           </a:p>
@@ -45332,8 +45321,8 @@
           <a:lstStyle/>
           <a:p>
             <a:r>
-              <a:rPr lang="en-US"/>
-              <a:t>CURD - API</a:t>
+              <a:rPr lang="en-US" dirty="0"/>
+              <a:t>CRUD - API</a:t>
             </a:r>
           </a:p>
         </p:txBody>
@@ -45352,6 +45341,11 @@
           </p:cNvGraphicFramePr>
           <p:nvPr>
             <p:ph idx="1"/>
+            <p:extLst>
+              <p:ext uri="{D42A27DB-BD31-4B8C-83A1-F6EECF244321}">
+                <p14:modId xmlns:p14="http://schemas.microsoft.com/office/powerpoint/2010/main" val="3365024868"/>
+              </p:ext>
+            </p:extLst>
           </p:nvPr>
         </p:nvGraphicFramePr>
         <p:xfrm>
@@ -49386,7 +49380,7 @@
           <a:lstStyle/>
           <a:p>
             <a:r>
-              <a:rPr lang="en-US"/>
+              <a:rPr lang="en-US" dirty="0"/>
               <a:t>Thank You</a:t>
             </a:r>
           </a:p>
@@ -49410,71 +49404,77 @@
         </p:nvSpPr>
         <p:spPr>
           <a:xfrm>
-            <a:off x="610198" y="2356598"/>
-            <a:ext cx="5355276" cy="3790529"/>
+            <a:off x="739200" y="2542429"/>
+            <a:ext cx="5355276" cy="1724771"/>
           </a:xfrm>
         </p:spPr>
         <p:txBody>
           <a:bodyPr anchor="t">
-            <a:normAutofit/>
+            <a:normAutofit fontScale="92500" lnSpcReduction="10000"/>
           </a:bodyPr>
           <a:lstStyle/>
           <a:p>
             <a:r>
-              <a:rPr lang="en-US"/>
-              <a:t>Praveen N - </a:t>
+              <a:rPr lang="en-US" dirty="0"/>
+              <a:t>Praveen N   Linked In - </a:t>
             </a:r>
             <a:r>
-              <a:rPr lang="en-US" err="1"/>
-              <a:t>linkedin.com</a:t>
+              <a:rPr lang="en-US" dirty="0">
+                <a:hlinkClick r:id="rId2"/>
+              </a:rPr>
+              <a:t>linkedin.com/in/np77</a:t>
             </a:r>
-            <a:r>
-              <a:rPr lang="en-US"/>
-              <a:t>/in/np77 </a:t>
-            </a:r>
+            <a:endParaRPr lang="en-US" dirty="0"/>
           </a:p>
           <a:p>
             <a:r>
-              <a:rPr lang="en-US"/>
-              <a:t>  	       @</a:t>
+              <a:rPr lang="en-US" dirty="0"/>
+              <a:t>  	        Twitter  - </a:t>
             </a:r>
             <a:r>
-              <a:rPr lang="en-US" err="1"/>
+              <a:rPr lang="en-US" dirty="0">
+                <a:hlinkClick r:id="rId3"/>
+              </a:rPr>
+              <a:t>@</a:t>
+            </a:r>
+            <a:r>
+              <a:rPr lang="en-US" dirty="0" err="1">
+                <a:hlinkClick r:id="rId3"/>
+              </a:rPr>
               <a:t>np_hinata</a:t>
             </a:r>
             <a:r>
-              <a:rPr lang="en-US"/>
-              <a:t> – Twitter</a:t>
+              <a:rPr lang="en-US" dirty="0">
+                <a:hlinkClick r:id="rId3"/>
+              </a:rPr>
+              <a:t> </a:t>
             </a:r>
+            <a:endParaRPr lang="en-US" dirty="0"/>
           </a:p>
           <a:p>
-            <a:endParaRPr lang="en-US"/>
+            <a:endParaRPr lang="en-US" dirty="0"/>
           </a:p>
           <a:p>
             <a:r>
-              <a:rPr lang="en-US"/>
-              <a:t> </a:t>
-            </a:r>
-          </a:p>
-          <a:p>
-            <a:endParaRPr lang="en-US"/>
-          </a:p>
-          <a:p>
-            <a:r>
-              <a:rPr lang="en-US"/>
+              <a:rPr lang="en-US" dirty="0"/>
               <a:t>Arul </a:t>
             </a:r>
             <a:r>
-              <a:rPr lang="en-US" err="1"/>
+              <a:rPr lang="en-US" dirty="0" err="1"/>
               <a:t>Valan</a:t>
             </a:r>
             <a:r>
-              <a:rPr lang="en-US"/>
-              <a:t> Cibi</a:t>
+              <a:rPr lang="en-US" dirty="0"/>
+              <a:t> </a:t>
             </a:r>
+            <a:r>
+              <a:rPr lang="en-US" dirty="0" err="1"/>
+              <a:t>Cibi</a:t>
+            </a:r>
+            <a:endParaRPr lang="en-US" dirty="0"/>
           </a:p>
           <a:p>
-            <a:endParaRPr lang="en-US"/>
+            <a:endParaRPr lang="en-US" dirty="0"/>
           </a:p>
         </p:txBody>
       </p:sp>
@@ -49493,13 +49493,13 @@
           <p:nvPr/>
         </p:nvPicPr>
         <p:blipFill>
-          <a:blip r:embed="rId2">
+          <a:blip r:embed="rId4">
             <a:extLst>
               <a:ext uri="{28A0092B-C50C-407E-A947-70E740481C1C}">
                 <a14:useLocalDpi xmlns:a14="http://schemas.microsoft.com/office/drawing/2010/main" val="0"/>
               </a:ext>
               <a:ext uri="{96DAC541-7B7A-43D3-8B79-37D633B846F1}">
-                <asvg:svgBlip xmlns:asvg="http://schemas.microsoft.com/office/drawing/2016/SVG/main" r:embed="rId3"/>
+                <asvg:svgBlip xmlns:asvg="http://schemas.microsoft.com/office/drawing/2016/SVG/main" r:embed="rId5"/>
               </a:ext>
             </a:extLst>
           </a:blip>
@@ -49517,6 +49517,48 @@
           </a:prstGeom>
         </p:spPr>
       </p:pic>
+      <p:sp>
+        <p:nvSpPr>
+          <p:cNvPr id="4" name="TextBox 3">
+            <a:extLst>
+              <a:ext uri="{FF2B5EF4-FFF2-40B4-BE49-F238E27FC236}">
+                <a16:creationId xmlns:a16="http://schemas.microsoft.com/office/drawing/2014/main" id="{556E4795-3257-989A-AB32-FDC00C1F294B}"/>
+              </a:ext>
+            </a:extLst>
+          </p:cNvPr>
+          <p:cNvSpPr txBox="1"/>
+          <p:nvPr/>
+        </p:nvSpPr>
+        <p:spPr>
+          <a:xfrm>
+            <a:off x="739200" y="5377934"/>
+            <a:ext cx="6776663" cy="369332"/>
+          </a:xfrm>
+          <a:prstGeom prst="rect">
+            <a:avLst/>
+          </a:prstGeom>
+          <a:noFill/>
+        </p:spPr>
+        <p:txBody>
+          <a:bodyPr wrap="none" rtlCol="0">
+            <a:spAutoFit/>
+          </a:bodyPr>
+          <a:lstStyle/>
+          <a:p>
+            <a:r>
+              <a:rPr lang="en-US" dirty="0"/>
+              <a:t>GitHub repo link </a:t>
+            </a:r>
+            <a:r>
+              <a:rPr lang="en-US" dirty="0">
+                <a:hlinkClick r:id="rId6"/>
+              </a:rPr>
+              <a:t>https://github.com/praveenn77/workshop-w1</a:t>
+            </a:r>
+            <a:endParaRPr lang="en-US" dirty="0"/>
+          </a:p>
+        </p:txBody>
+      </p:sp>
     </p:spTree>
     <p:extLst>
       <p:ext uri="{BB962C8B-B14F-4D97-AF65-F5344CB8AC3E}">
